--- a/사인페 대비 안드로이드 파이어베이스 스터디.pptx
+++ b/사인페 대비 안드로이드 파이어베이스 스터디.pptx
@@ -9,9 +9,9 @@
     <p:sldId id="257" r:id="rId3"/>
     <p:sldId id="258" r:id="rId4"/>
     <p:sldId id="259" r:id="rId5"/>
-    <p:sldId id="262" r:id="rId6"/>
-    <p:sldId id="260" r:id="rId7"/>
-    <p:sldId id="263" r:id="rId8"/>
+    <p:sldId id="260" r:id="rId6"/>
+    <p:sldId id="263" r:id="rId7"/>
+    <p:sldId id="262" r:id="rId8"/>
     <p:sldId id="271" r:id="rId9"/>
     <p:sldId id="264" r:id="rId10"/>
     <p:sldId id="265" r:id="rId11"/>
@@ -317,7 +317,7 @@
           <a:p>
             <a:fld id="{01995E66-0D79-4516-999F-02E7BBB3FC76}" type="datetimeFigureOut">
               <a:rPr lang="ko-KR" altLang="en-US" smtClean="0"/>
-              <a:t>2023-07-07</a:t>
+              <a:t>2023-07-12</a:t>
             </a:fld>
             <a:endParaRPr lang="ko-KR" altLang="en-US"/>
           </a:p>
@@ -522,7 +522,7 @@
           <a:p>
             <a:fld id="{01995E66-0D79-4516-999F-02E7BBB3FC76}" type="datetimeFigureOut">
               <a:rPr lang="ko-KR" altLang="en-US" smtClean="0"/>
-              <a:t>2023-07-07</a:t>
+              <a:t>2023-07-12</a:t>
             </a:fld>
             <a:endParaRPr lang="ko-KR" altLang="en-US"/>
           </a:p>
@@ -702,7 +702,7 @@
           <a:p>
             <a:fld id="{01995E66-0D79-4516-999F-02E7BBB3FC76}" type="datetimeFigureOut">
               <a:rPr lang="ko-KR" altLang="en-US" smtClean="0"/>
-              <a:t>2023-07-07</a:t>
+              <a:t>2023-07-12</a:t>
             </a:fld>
             <a:endParaRPr lang="ko-KR" altLang="en-US"/>
           </a:p>
@@ -907,7 +907,7 @@
           <a:p>
             <a:fld id="{01995E66-0D79-4516-999F-02E7BBB3FC76}" type="datetimeFigureOut">
               <a:rPr lang="ko-KR" altLang="en-US" smtClean="0"/>
-              <a:t>2023-07-07</a:t>
+              <a:t>2023-07-12</a:t>
             </a:fld>
             <a:endParaRPr lang="ko-KR" altLang="en-US"/>
           </a:p>
@@ -1202,7 +1202,7 @@
           <a:p>
             <a:fld id="{01995E66-0D79-4516-999F-02E7BBB3FC76}" type="datetimeFigureOut">
               <a:rPr lang="ko-KR" altLang="en-US" smtClean="0"/>
-              <a:t>2023-07-07</a:t>
+              <a:t>2023-07-12</a:t>
             </a:fld>
             <a:endParaRPr lang="ko-KR" altLang="en-US"/>
           </a:p>
@@ -1474,7 +1474,7 @@
           <a:p>
             <a:fld id="{01995E66-0D79-4516-999F-02E7BBB3FC76}" type="datetimeFigureOut">
               <a:rPr lang="ko-KR" altLang="en-US" smtClean="0"/>
-              <a:t>2023-07-07</a:t>
+              <a:t>2023-07-12</a:t>
             </a:fld>
             <a:endParaRPr lang="ko-KR" altLang="en-US"/>
           </a:p>
@@ -1881,7 +1881,7 @@
           <a:p>
             <a:fld id="{01995E66-0D79-4516-999F-02E7BBB3FC76}" type="datetimeFigureOut">
               <a:rPr lang="ko-KR" altLang="en-US" smtClean="0"/>
-              <a:t>2023-07-07</a:t>
+              <a:t>2023-07-12</a:t>
             </a:fld>
             <a:endParaRPr lang="ko-KR" altLang="en-US"/>
           </a:p>
@@ -1999,7 +1999,7 @@
           <a:p>
             <a:fld id="{01995E66-0D79-4516-999F-02E7BBB3FC76}" type="datetimeFigureOut">
               <a:rPr lang="ko-KR" altLang="en-US" smtClean="0"/>
-              <a:t>2023-07-07</a:t>
+              <a:t>2023-07-12</a:t>
             </a:fld>
             <a:endParaRPr lang="ko-KR" altLang="en-US"/>
           </a:p>
@@ -2094,7 +2094,7 @@
           <a:p>
             <a:fld id="{01995E66-0D79-4516-999F-02E7BBB3FC76}" type="datetimeFigureOut">
               <a:rPr lang="ko-KR" altLang="en-US" smtClean="0"/>
-              <a:t>2023-07-07</a:t>
+              <a:t>2023-07-12</a:t>
             </a:fld>
             <a:endParaRPr lang="ko-KR" altLang="en-US"/>
           </a:p>
@@ -2384,7 +2384,7 @@
           <a:p>
             <a:fld id="{01995E66-0D79-4516-999F-02E7BBB3FC76}" type="datetimeFigureOut">
               <a:rPr lang="ko-KR" altLang="en-US" smtClean="0"/>
-              <a:t>2023-07-07</a:t>
+              <a:t>2023-07-12</a:t>
             </a:fld>
             <a:endParaRPr lang="ko-KR" altLang="en-US"/>
           </a:p>
@@ -2664,7 +2664,7 @@
           <a:p>
             <a:fld id="{01995E66-0D79-4516-999F-02E7BBB3FC76}" type="datetimeFigureOut">
               <a:rPr lang="ko-KR" altLang="en-US" smtClean="0"/>
-              <a:t>2023-07-07</a:t>
+              <a:t>2023-07-12</a:t>
             </a:fld>
             <a:endParaRPr lang="ko-KR" altLang="en-US"/>
           </a:p>
@@ -2914,7 +2914,7 @@
           <a:p>
             <a:fld id="{01995E66-0D79-4516-999F-02E7BBB3FC76}" type="datetimeFigureOut">
               <a:rPr lang="ko-KR" altLang="en-US" smtClean="0"/>
-              <a:t>2023-07-07</a:t>
+              <a:t>2023-07-12</a:t>
             </a:fld>
             <a:endParaRPr lang="ko-KR" altLang="en-US"/>
           </a:p>
@@ -4888,11 +4888,7 @@
           <a:p>
             <a:r>
               <a:rPr lang="ko-KR" altLang="en-US" dirty="0" smtClean="0"/>
-              <a:t>파이어베이스 </a:t>
-            </a:r>
-            <a:r>
-              <a:rPr lang="ko-KR" altLang="en-US" dirty="0" smtClean="0"/>
-              <a:t>인증 </a:t>
+              <a:t>파이어베이스 인증 </a:t>
             </a:r>
             <a:r>
               <a:rPr lang="en-US" altLang="ko-KR" dirty="0" smtClean="0"/>
@@ -5381,12 +5377,12 @@
               <a:t>하는데 대놓고 </a:t>
             </a:r>
             <a:r>
-              <a:rPr lang="ko-KR" altLang="en-US" dirty="0" err="1"/>
-              <a:t>싫어하는티</a:t>
+              <a:rPr lang="ko-KR" altLang="en-US" dirty="0" smtClean="0"/>
+              <a:t>싫어하는 티 </a:t>
             </a:r>
             <a:r>
               <a:rPr lang="ko-KR" altLang="en-US" dirty="0"/>
-              <a:t> 내니까 파이어스토어로 공부하는 것을 추천</a:t>
+              <a:t>내니까 파이어스토어로 공부하는 것을 추천</a:t>
             </a:r>
             <a:endParaRPr lang="en-US" altLang="ko-KR" dirty="0"/>
           </a:p>
@@ -5500,6 +5496,36 @@
           </a:p>
         </p:txBody>
       </p:sp>
+      <p:pic>
+        <p:nvPicPr>
+          <p:cNvPr id="2" name="그림 1"/>
+          <p:cNvPicPr>
+            <a:picLocks noChangeAspect="1"/>
+          </p:cNvPicPr>
+          <p:nvPr/>
+        </p:nvPicPr>
+        <p:blipFill>
+          <a:blip r:embed="rId2">
+            <a:extLst>
+              <a:ext uri="{28A0092B-C50C-407E-A947-70E740481C1C}">
+                <a14:useLocalDpi xmlns:a14="http://schemas.microsoft.com/office/drawing/2010/main" val="0"/>
+              </a:ext>
+            </a:extLst>
+          </a:blip>
+          <a:stretch>
+            <a:fillRect/>
+          </a:stretch>
+        </p:blipFill>
+        <p:spPr>
+          <a:xfrm>
+            <a:off x="828298" y="1100760"/>
+            <a:ext cx="7183764" cy="5011624"/>
+          </a:xfrm>
+          <a:prstGeom prst="rect">
+            <a:avLst/>
+          </a:prstGeom>
+        </p:spPr>
+      </p:pic>
     </p:spTree>
     <p:extLst>
       <p:ext uri="{BB962C8B-B14F-4D97-AF65-F5344CB8AC3E}">
@@ -8906,6 +8932,269 @@
           <a:chExt cx="0" cy="0"/>
         </a:xfrm>
       </p:grpSpPr>
+      <p:pic>
+        <p:nvPicPr>
+          <p:cNvPr id="4" name="그림 3"/>
+          <p:cNvPicPr>
+            <a:picLocks noChangeAspect="1"/>
+          </p:cNvPicPr>
+          <p:nvPr/>
+        </p:nvPicPr>
+        <p:blipFill>
+          <a:blip r:embed="rId2">
+            <a:extLst>
+              <a:ext uri="{28A0092B-C50C-407E-A947-70E740481C1C}">
+                <a14:useLocalDpi xmlns:a14="http://schemas.microsoft.com/office/drawing/2010/main" val="0"/>
+              </a:ext>
+            </a:extLst>
+          </a:blip>
+          <a:stretch>
+            <a:fillRect/>
+          </a:stretch>
+        </p:blipFill>
+        <p:spPr>
+          <a:xfrm>
+            <a:off x="3891900" y="692210"/>
+            <a:ext cx="8122301" cy="5623132"/>
+          </a:xfrm>
+          <a:prstGeom prst="rect">
+            <a:avLst/>
+          </a:prstGeom>
+        </p:spPr>
+      </p:pic>
+      <p:sp>
+        <p:nvSpPr>
+          <p:cNvPr id="5" name="TextBox 4"/>
+          <p:cNvSpPr txBox="1"/>
+          <p:nvPr/>
+        </p:nvSpPr>
+        <p:spPr>
+          <a:xfrm flipH="1">
+            <a:off x="794117" y="561285"/>
+            <a:ext cx="1897381" cy="369332"/>
+          </a:xfrm>
+          <a:prstGeom prst="rect">
+            <a:avLst/>
+          </a:prstGeom>
+          <a:noFill/>
+        </p:spPr>
+        <p:txBody>
+          <a:bodyPr wrap="square" rtlCol="0">
+            <a:spAutoFit/>
+          </a:bodyPr>
+          <a:lstStyle/>
+          <a:p>
+            <a:r>
+              <a:rPr lang="ko-KR" altLang="en-US" dirty="0" smtClean="0"/>
+              <a:t>기본 위젯</a:t>
+            </a:r>
+            <a:endParaRPr lang="ko-KR" altLang="en-US" dirty="0"/>
+          </a:p>
+        </p:txBody>
+      </p:sp>
+      <p:sp>
+        <p:nvSpPr>
+          <p:cNvPr id="6" name="TextBox 5"/>
+          <p:cNvSpPr txBox="1"/>
+          <p:nvPr/>
+        </p:nvSpPr>
+        <p:spPr>
+          <a:xfrm flipH="1">
+            <a:off x="794116" y="1024621"/>
+            <a:ext cx="1897381" cy="1754326"/>
+          </a:xfrm>
+          <a:prstGeom prst="rect">
+            <a:avLst/>
+          </a:prstGeom>
+          <a:noFill/>
+        </p:spPr>
+        <p:txBody>
+          <a:bodyPr wrap="square" rtlCol="0">
+            <a:spAutoFit/>
+          </a:bodyPr>
+          <a:lstStyle/>
+          <a:p>
+            <a:r>
+              <a:rPr lang="ko-KR" altLang="en-US" dirty="0" err="1" smtClean="0"/>
+              <a:t>텍스트뷰</a:t>
+            </a:r>
+            <a:endParaRPr lang="en-US" altLang="ko-KR" dirty="0" smtClean="0"/>
+          </a:p>
+          <a:p>
+            <a:r>
+              <a:rPr lang="ko-KR" altLang="en-US" dirty="0" smtClean="0"/>
+              <a:t>버튼</a:t>
+            </a:r>
+            <a:endParaRPr lang="en-US" altLang="ko-KR" dirty="0" smtClean="0"/>
+          </a:p>
+          <a:p>
+            <a:r>
+              <a:rPr lang="ko-KR" altLang="en-US" dirty="0" err="1" smtClean="0"/>
+              <a:t>에디트텍스트뷰</a:t>
+            </a:r>
+            <a:endParaRPr lang="en-US" altLang="ko-KR" dirty="0" smtClean="0"/>
+          </a:p>
+          <a:p>
+            <a:r>
+              <a:rPr lang="ko-KR" altLang="en-US" dirty="0" err="1" smtClean="0"/>
+              <a:t>이미지뷰</a:t>
+            </a:r>
+            <a:endParaRPr lang="en-US" altLang="ko-KR" dirty="0" smtClean="0"/>
+          </a:p>
+          <a:p>
+            <a:r>
+              <a:rPr lang="ko-KR" altLang="en-US" dirty="0" smtClean="0"/>
+              <a:t>스위치</a:t>
+            </a:r>
+            <a:endParaRPr lang="en-US" altLang="ko-KR" dirty="0" smtClean="0"/>
+          </a:p>
+          <a:p>
+            <a:r>
+              <a:rPr lang="en-US" altLang="ko-KR" dirty="0" smtClean="0"/>
+              <a:t>…</a:t>
+            </a:r>
+            <a:endParaRPr lang="ko-KR" altLang="en-US" dirty="0"/>
+          </a:p>
+        </p:txBody>
+      </p:sp>
+    </p:spTree>
+    <p:extLst>
+      <p:ext uri="{BB962C8B-B14F-4D97-AF65-F5344CB8AC3E}">
+        <p14:creationId xmlns:p14="http://schemas.microsoft.com/office/powerpoint/2010/main" val="2584836776"/>
+      </p:ext>
+    </p:extLst>
+  </p:cSld>
+  <p:clrMapOvr>
+    <a:masterClrMapping/>
+  </p:clrMapOvr>
+  <p:timing>
+    <p:tnLst>
+      <p:par>
+        <p:cTn id="1" dur="indefinite" restart="never" nodeType="tmRoot"/>
+      </p:par>
+    </p:tnLst>
+  </p:timing>
+</p:sld>
+</file>
+
+<file path=ppt/slides/slide6.xml><?xml version="1.0" encoding="utf-8"?>
+<p:sld xmlns:a="http://schemas.openxmlformats.org/drawingml/2006/main" xmlns:r="http://schemas.openxmlformats.org/officeDocument/2006/relationships" xmlns:p="http://schemas.openxmlformats.org/presentationml/2006/main">
+  <p:cSld>
+    <p:spTree>
+      <p:nvGrpSpPr>
+        <p:cNvPr id="1" name=""/>
+        <p:cNvGrpSpPr/>
+        <p:nvPr/>
+      </p:nvGrpSpPr>
+      <p:grpSpPr>
+        <a:xfrm>
+          <a:off x="0" y="0"/>
+          <a:ext cx="0" cy="0"/>
+          <a:chOff x="0" y="0"/>
+          <a:chExt cx="0" cy="0"/>
+        </a:xfrm>
+      </p:grpSpPr>
+      <p:sp>
+        <p:nvSpPr>
+          <p:cNvPr id="5" name="TextBox 4"/>
+          <p:cNvSpPr txBox="1"/>
+          <p:nvPr/>
+        </p:nvSpPr>
+        <p:spPr>
+          <a:xfrm flipH="1">
+            <a:off x="794117" y="561285"/>
+            <a:ext cx="1897381" cy="369332"/>
+          </a:xfrm>
+          <a:prstGeom prst="rect">
+            <a:avLst/>
+          </a:prstGeom>
+          <a:noFill/>
+        </p:spPr>
+        <p:txBody>
+          <a:bodyPr wrap="square" rtlCol="0">
+            <a:spAutoFit/>
+          </a:bodyPr>
+          <a:lstStyle/>
+          <a:p>
+            <a:r>
+              <a:rPr lang="ko-KR" altLang="en-US" dirty="0" smtClean="0"/>
+              <a:t>이벤트와 </a:t>
+            </a:r>
+            <a:r>
+              <a:rPr lang="ko-KR" altLang="en-US" dirty="0" err="1" smtClean="0"/>
+              <a:t>리스너</a:t>
+            </a:r>
+            <a:endParaRPr lang="ko-KR" altLang="en-US" dirty="0"/>
+          </a:p>
+        </p:txBody>
+      </p:sp>
+      <p:pic>
+        <p:nvPicPr>
+          <p:cNvPr id="2" name="그림 1"/>
+          <p:cNvPicPr>
+            <a:picLocks noChangeAspect="1"/>
+          </p:cNvPicPr>
+          <p:nvPr/>
+        </p:nvPicPr>
+        <p:blipFill>
+          <a:blip r:embed="rId2">
+            <a:extLst>
+              <a:ext uri="{28A0092B-C50C-407E-A947-70E740481C1C}">
+                <a14:useLocalDpi xmlns:a14="http://schemas.microsoft.com/office/drawing/2010/main" val="0"/>
+              </a:ext>
+            </a:extLst>
+          </a:blip>
+          <a:stretch>
+            <a:fillRect/>
+          </a:stretch>
+        </p:blipFill>
+        <p:spPr>
+          <a:xfrm>
+            <a:off x="794117" y="1001629"/>
+            <a:ext cx="9824968" cy="4066026"/>
+          </a:xfrm>
+          <a:prstGeom prst="rect">
+            <a:avLst/>
+          </a:prstGeom>
+        </p:spPr>
+      </p:pic>
+    </p:spTree>
+    <p:extLst>
+      <p:ext uri="{BB962C8B-B14F-4D97-AF65-F5344CB8AC3E}">
+        <p14:creationId xmlns:p14="http://schemas.microsoft.com/office/powerpoint/2010/main" val="507967234"/>
+      </p:ext>
+    </p:extLst>
+  </p:cSld>
+  <p:clrMapOvr>
+    <a:masterClrMapping/>
+  </p:clrMapOvr>
+  <p:timing>
+    <p:tnLst>
+      <p:par>
+        <p:cTn id="1" dur="indefinite" restart="never" nodeType="tmRoot"/>
+      </p:par>
+    </p:tnLst>
+  </p:timing>
+</p:sld>
+</file>
+
+<file path=ppt/slides/slide7.xml><?xml version="1.0" encoding="utf-8"?>
+<p:sld xmlns:a="http://schemas.openxmlformats.org/drawingml/2006/main" xmlns:r="http://schemas.openxmlformats.org/officeDocument/2006/relationships" xmlns:p="http://schemas.openxmlformats.org/presentationml/2006/main">
+  <p:cSld>
+    <p:spTree>
+      <p:nvGrpSpPr>
+        <p:cNvPr id="1" name=""/>
+        <p:cNvGrpSpPr/>
+        <p:nvPr/>
+      </p:nvGrpSpPr>
+      <p:grpSpPr>
+        <a:xfrm>
+          <a:off x="0" y="0"/>
+          <a:ext cx="0" cy="0"/>
+          <a:chOff x="0" y="0"/>
+          <a:chExt cx="0" cy="0"/>
+        </a:xfrm>
+      </p:grpSpPr>
       <p:sp>
         <p:nvSpPr>
           <p:cNvPr id="4" name="TextBox 3"/>
@@ -10192,269 +10481,6 @@
 </p:sld>
 </file>
 
-<file path=ppt/slides/slide6.xml><?xml version="1.0" encoding="utf-8"?>
-<p:sld xmlns:a="http://schemas.openxmlformats.org/drawingml/2006/main" xmlns:r="http://schemas.openxmlformats.org/officeDocument/2006/relationships" xmlns:p="http://schemas.openxmlformats.org/presentationml/2006/main">
-  <p:cSld>
-    <p:spTree>
-      <p:nvGrpSpPr>
-        <p:cNvPr id="1" name=""/>
-        <p:cNvGrpSpPr/>
-        <p:nvPr/>
-      </p:nvGrpSpPr>
-      <p:grpSpPr>
-        <a:xfrm>
-          <a:off x="0" y="0"/>
-          <a:ext cx="0" cy="0"/>
-          <a:chOff x="0" y="0"/>
-          <a:chExt cx="0" cy="0"/>
-        </a:xfrm>
-      </p:grpSpPr>
-      <p:pic>
-        <p:nvPicPr>
-          <p:cNvPr id="4" name="그림 3"/>
-          <p:cNvPicPr>
-            <a:picLocks noChangeAspect="1"/>
-          </p:cNvPicPr>
-          <p:nvPr/>
-        </p:nvPicPr>
-        <p:blipFill>
-          <a:blip r:embed="rId2">
-            <a:extLst>
-              <a:ext uri="{28A0092B-C50C-407E-A947-70E740481C1C}">
-                <a14:useLocalDpi xmlns:a14="http://schemas.microsoft.com/office/drawing/2010/main" val="0"/>
-              </a:ext>
-            </a:extLst>
-          </a:blip>
-          <a:stretch>
-            <a:fillRect/>
-          </a:stretch>
-        </p:blipFill>
-        <p:spPr>
-          <a:xfrm>
-            <a:off x="3891900" y="692210"/>
-            <a:ext cx="8122301" cy="5623132"/>
-          </a:xfrm>
-          <a:prstGeom prst="rect">
-            <a:avLst/>
-          </a:prstGeom>
-        </p:spPr>
-      </p:pic>
-      <p:sp>
-        <p:nvSpPr>
-          <p:cNvPr id="5" name="TextBox 4"/>
-          <p:cNvSpPr txBox="1"/>
-          <p:nvPr/>
-        </p:nvSpPr>
-        <p:spPr>
-          <a:xfrm flipH="1">
-            <a:off x="794117" y="561285"/>
-            <a:ext cx="1897381" cy="369332"/>
-          </a:xfrm>
-          <a:prstGeom prst="rect">
-            <a:avLst/>
-          </a:prstGeom>
-          <a:noFill/>
-        </p:spPr>
-        <p:txBody>
-          <a:bodyPr wrap="square" rtlCol="0">
-            <a:spAutoFit/>
-          </a:bodyPr>
-          <a:lstStyle/>
-          <a:p>
-            <a:r>
-              <a:rPr lang="ko-KR" altLang="en-US" dirty="0" smtClean="0"/>
-              <a:t>기본 위젯</a:t>
-            </a:r>
-            <a:endParaRPr lang="ko-KR" altLang="en-US" dirty="0"/>
-          </a:p>
-        </p:txBody>
-      </p:sp>
-      <p:sp>
-        <p:nvSpPr>
-          <p:cNvPr id="6" name="TextBox 5"/>
-          <p:cNvSpPr txBox="1"/>
-          <p:nvPr/>
-        </p:nvSpPr>
-        <p:spPr>
-          <a:xfrm flipH="1">
-            <a:off x="794116" y="1024621"/>
-            <a:ext cx="1897381" cy="1754326"/>
-          </a:xfrm>
-          <a:prstGeom prst="rect">
-            <a:avLst/>
-          </a:prstGeom>
-          <a:noFill/>
-        </p:spPr>
-        <p:txBody>
-          <a:bodyPr wrap="square" rtlCol="0">
-            <a:spAutoFit/>
-          </a:bodyPr>
-          <a:lstStyle/>
-          <a:p>
-            <a:r>
-              <a:rPr lang="ko-KR" altLang="en-US" dirty="0" err="1" smtClean="0"/>
-              <a:t>텍스트뷰</a:t>
-            </a:r>
-            <a:endParaRPr lang="en-US" altLang="ko-KR" dirty="0" smtClean="0"/>
-          </a:p>
-          <a:p>
-            <a:r>
-              <a:rPr lang="ko-KR" altLang="en-US" dirty="0" smtClean="0"/>
-              <a:t>버튼</a:t>
-            </a:r>
-            <a:endParaRPr lang="en-US" altLang="ko-KR" dirty="0" smtClean="0"/>
-          </a:p>
-          <a:p>
-            <a:r>
-              <a:rPr lang="ko-KR" altLang="en-US" dirty="0" err="1" smtClean="0"/>
-              <a:t>에디트텍스트뷰</a:t>
-            </a:r>
-            <a:endParaRPr lang="en-US" altLang="ko-KR" dirty="0" smtClean="0"/>
-          </a:p>
-          <a:p>
-            <a:r>
-              <a:rPr lang="ko-KR" altLang="en-US" dirty="0" err="1" smtClean="0"/>
-              <a:t>이미지뷰</a:t>
-            </a:r>
-            <a:endParaRPr lang="en-US" altLang="ko-KR" dirty="0" smtClean="0"/>
-          </a:p>
-          <a:p>
-            <a:r>
-              <a:rPr lang="ko-KR" altLang="en-US" dirty="0" smtClean="0"/>
-              <a:t>스위치</a:t>
-            </a:r>
-            <a:endParaRPr lang="en-US" altLang="ko-KR" dirty="0" smtClean="0"/>
-          </a:p>
-          <a:p>
-            <a:r>
-              <a:rPr lang="en-US" altLang="ko-KR" dirty="0" smtClean="0"/>
-              <a:t>…</a:t>
-            </a:r>
-            <a:endParaRPr lang="ko-KR" altLang="en-US" dirty="0"/>
-          </a:p>
-        </p:txBody>
-      </p:sp>
-    </p:spTree>
-    <p:extLst>
-      <p:ext uri="{BB962C8B-B14F-4D97-AF65-F5344CB8AC3E}">
-        <p14:creationId xmlns:p14="http://schemas.microsoft.com/office/powerpoint/2010/main" val="2584836776"/>
-      </p:ext>
-    </p:extLst>
-  </p:cSld>
-  <p:clrMapOvr>
-    <a:masterClrMapping/>
-  </p:clrMapOvr>
-  <p:timing>
-    <p:tnLst>
-      <p:par>
-        <p:cTn id="1" dur="indefinite" restart="never" nodeType="tmRoot"/>
-      </p:par>
-    </p:tnLst>
-  </p:timing>
-</p:sld>
-</file>
-
-<file path=ppt/slides/slide7.xml><?xml version="1.0" encoding="utf-8"?>
-<p:sld xmlns:a="http://schemas.openxmlformats.org/drawingml/2006/main" xmlns:r="http://schemas.openxmlformats.org/officeDocument/2006/relationships" xmlns:p="http://schemas.openxmlformats.org/presentationml/2006/main">
-  <p:cSld>
-    <p:spTree>
-      <p:nvGrpSpPr>
-        <p:cNvPr id="1" name=""/>
-        <p:cNvGrpSpPr/>
-        <p:nvPr/>
-      </p:nvGrpSpPr>
-      <p:grpSpPr>
-        <a:xfrm>
-          <a:off x="0" y="0"/>
-          <a:ext cx="0" cy="0"/>
-          <a:chOff x="0" y="0"/>
-          <a:chExt cx="0" cy="0"/>
-        </a:xfrm>
-      </p:grpSpPr>
-      <p:sp>
-        <p:nvSpPr>
-          <p:cNvPr id="5" name="TextBox 4"/>
-          <p:cNvSpPr txBox="1"/>
-          <p:nvPr/>
-        </p:nvSpPr>
-        <p:spPr>
-          <a:xfrm flipH="1">
-            <a:off x="794117" y="561285"/>
-            <a:ext cx="1897381" cy="369332"/>
-          </a:xfrm>
-          <a:prstGeom prst="rect">
-            <a:avLst/>
-          </a:prstGeom>
-          <a:noFill/>
-        </p:spPr>
-        <p:txBody>
-          <a:bodyPr wrap="square" rtlCol="0">
-            <a:spAutoFit/>
-          </a:bodyPr>
-          <a:lstStyle/>
-          <a:p>
-            <a:r>
-              <a:rPr lang="ko-KR" altLang="en-US" dirty="0" smtClean="0"/>
-              <a:t>이벤트와 </a:t>
-            </a:r>
-            <a:r>
-              <a:rPr lang="ko-KR" altLang="en-US" dirty="0" err="1" smtClean="0"/>
-              <a:t>리스너</a:t>
-            </a:r>
-            <a:endParaRPr lang="ko-KR" altLang="en-US" dirty="0"/>
-          </a:p>
-        </p:txBody>
-      </p:sp>
-      <p:pic>
-        <p:nvPicPr>
-          <p:cNvPr id="2" name="그림 1"/>
-          <p:cNvPicPr>
-            <a:picLocks noChangeAspect="1"/>
-          </p:cNvPicPr>
-          <p:nvPr/>
-        </p:nvPicPr>
-        <p:blipFill>
-          <a:blip r:embed="rId2">
-            <a:extLst>
-              <a:ext uri="{28A0092B-C50C-407E-A947-70E740481C1C}">
-                <a14:useLocalDpi xmlns:a14="http://schemas.microsoft.com/office/drawing/2010/main" val="0"/>
-              </a:ext>
-            </a:extLst>
-          </a:blip>
-          <a:stretch>
-            <a:fillRect/>
-          </a:stretch>
-        </p:blipFill>
-        <p:spPr>
-          <a:xfrm>
-            <a:off x="794117" y="1001629"/>
-            <a:ext cx="9824968" cy="4066026"/>
-          </a:xfrm>
-          <a:prstGeom prst="rect">
-            <a:avLst/>
-          </a:prstGeom>
-        </p:spPr>
-      </p:pic>
-    </p:spTree>
-    <p:extLst>
-      <p:ext uri="{BB962C8B-B14F-4D97-AF65-F5344CB8AC3E}">
-        <p14:creationId xmlns:p14="http://schemas.microsoft.com/office/powerpoint/2010/main" val="507967234"/>
-      </p:ext>
-    </p:extLst>
-  </p:cSld>
-  <p:clrMapOvr>
-    <a:masterClrMapping/>
-  </p:clrMapOvr>
-  <p:timing>
-    <p:tnLst>
-      <p:par>
-        <p:cTn id="1" dur="indefinite" restart="never" nodeType="tmRoot"/>
-      </p:par>
-    </p:tnLst>
-  </p:timing>
-</p:sld>
-</file>
-
 <file path=ppt/slides/slide8.xml><?xml version="1.0" encoding="utf-8"?>
 <p:sld xmlns:a="http://schemas.openxmlformats.org/drawingml/2006/main" xmlns:r="http://schemas.openxmlformats.org/officeDocument/2006/relationships" xmlns:p="http://schemas.openxmlformats.org/presentationml/2006/main">
   <p:cSld>
@@ -10570,11 +10596,19 @@
           <a:p>
             <a:r>
               <a:rPr lang="ko-KR" altLang="en-US" dirty="0" err="1" smtClean="0"/>
-              <a:t>문서단위로</a:t>
+              <a:t>액티비티</a:t>
             </a:r>
             <a:r>
               <a:rPr lang="ko-KR" altLang="en-US" dirty="0" smtClean="0"/>
-              <a:t> 저장 방식과 프로그램 단위로 저장하는 방법이 있음</a:t>
+              <a:t> </a:t>
+            </a:r>
+            <a:r>
+              <a:rPr lang="ko-KR" altLang="en-US" dirty="0" smtClean="0"/>
+              <a:t>단위로 </a:t>
+            </a:r>
+            <a:r>
+              <a:rPr lang="ko-KR" altLang="en-US" dirty="0" smtClean="0"/>
+              <a:t>저장 방식과 프로그램 단위로 저장하는 방법이 있음</a:t>
             </a:r>
             <a:endParaRPr lang="ko-KR" altLang="en-US" dirty="0"/>
           </a:p>
